--- a/Final Project.pptx
+++ b/Final Project.pptx
@@ -4,6 +4,9 @@
   <p:sldMasterIdLst>
     <p:sldMasterId id="2147483696" r:id="rId1"/>
   </p:sldMasterIdLst>
+  <p:notesMasterIdLst>
+    <p:notesMasterId r:id="rId12"/>
+  </p:notesMasterIdLst>
   <p:sldIdLst>
     <p:sldId id="256" r:id="rId2"/>
     <p:sldId id="257" r:id="rId3"/>
@@ -113,6 +116,11 @@
       </a:defRPr>
     </a:lvl9pPr>
   </p:defaultTextStyle>
+  <p:extLst>
+    <p:ext uri="{EFAFB233-063F-42B5-8137-9DF3F51BA10A}">
+      <p15:sldGuideLst xmlns:p15="http://schemas.microsoft.com/office/powerpoint/2012/main"/>
+    </p:ext>
+  </p:extLst>
 </p:presentation>
 </file>
 
@@ -279,6 +287,459 @@
 </p:cmLst>
 </file>
 
+<file path=ppt/notesMasters/notesMaster1.xml><?xml version="1.0" encoding="utf-8"?>
+<p:notesMaster xmlns:a="http://schemas.openxmlformats.org/drawingml/2006/main" xmlns:r="http://schemas.openxmlformats.org/officeDocument/2006/relationships" xmlns:p="http://schemas.openxmlformats.org/presentationml/2006/main">
+  <p:cSld>
+    <p:bg>
+      <p:bgRef idx="1001">
+        <a:schemeClr val="bg1"/>
+      </p:bgRef>
+    </p:bg>
+    <p:spTree>
+      <p:nvGrpSpPr>
+        <p:cNvPr id="1" name=""/>
+        <p:cNvGrpSpPr/>
+        <p:nvPr/>
+      </p:nvGrpSpPr>
+      <p:grpSpPr>
+        <a:xfrm>
+          <a:off x="0" y="0"/>
+          <a:ext cx="0" cy="0"/>
+          <a:chOff x="0" y="0"/>
+          <a:chExt cx="0" cy="0"/>
+        </a:xfrm>
+      </p:grpSpPr>
+      <p:sp>
+        <p:nvSpPr>
+          <p:cNvPr id="2" name="Header Placeholder 1"/>
+          <p:cNvSpPr>
+            <a:spLocks noGrp="1"/>
+          </p:cNvSpPr>
+          <p:nvPr>
+            <p:ph type="hdr" sz="quarter"/>
+          </p:nvPr>
+        </p:nvSpPr>
+        <p:spPr>
+          <a:xfrm>
+            <a:off x="0" y="0"/>
+            <a:ext cx="2971800" cy="458788"/>
+          </a:xfrm>
+          <a:prstGeom prst="rect">
+            <a:avLst/>
+          </a:prstGeom>
+        </p:spPr>
+        <p:txBody>
+          <a:bodyPr vert="horz" lIns="91440" tIns="45720" rIns="91440" bIns="45720" rtlCol="0"/>
+          <a:lstStyle>
+            <a:lvl1pPr algn="l">
+              <a:defRPr sz="1200"/>
+            </a:lvl1pPr>
+          </a:lstStyle>
+          <a:p>
+            <a:endParaRPr lang="en-US"/>
+          </a:p>
+        </p:txBody>
+      </p:sp>
+      <p:sp>
+        <p:nvSpPr>
+          <p:cNvPr id="3" name="Date Placeholder 2"/>
+          <p:cNvSpPr>
+            <a:spLocks noGrp="1"/>
+          </p:cNvSpPr>
+          <p:nvPr>
+            <p:ph type="dt" idx="1"/>
+          </p:nvPr>
+        </p:nvSpPr>
+        <p:spPr>
+          <a:xfrm>
+            <a:off x="3884613" y="0"/>
+            <a:ext cx="2971800" cy="458788"/>
+          </a:xfrm>
+          <a:prstGeom prst="rect">
+            <a:avLst/>
+          </a:prstGeom>
+        </p:spPr>
+        <p:txBody>
+          <a:bodyPr vert="horz" lIns="91440" tIns="45720" rIns="91440" bIns="45720" rtlCol="0"/>
+          <a:lstStyle>
+            <a:lvl1pPr algn="r">
+              <a:defRPr sz="1200"/>
+            </a:lvl1pPr>
+          </a:lstStyle>
+          <a:p>
+            <a:fld id="{0406F20A-6DCB-4E49-8B9A-BCACB2DB4D88}" type="datetimeFigureOut">
+              <a:rPr lang="en-US" smtClean="0"/>
+              <a:t>3/17/21</a:t>
+            </a:fld>
+            <a:endParaRPr lang="en-US"/>
+          </a:p>
+        </p:txBody>
+      </p:sp>
+      <p:sp>
+        <p:nvSpPr>
+          <p:cNvPr id="4" name="Slide Image Placeholder 3"/>
+          <p:cNvSpPr>
+            <a:spLocks noGrp="1" noRot="1" noChangeAspect="1"/>
+          </p:cNvSpPr>
+          <p:nvPr>
+            <p:ph type="sldImg" idx="2"/>
+          </p:nvPr>
+        </p:nvSpPr>
+        <p:spPr>
+          <a:xfrm>
+            <a:off x="685800" y="1143000"/>
+            <a:ext cx="5486400" cy="3086100"/>
+          </a:xfrm>
+          <a:prstGeom prst="rect">
+            <a:avLst/>
+          </a:prstGeom>
+          <a:noFill/>
+          <a:ln w="12700">
+            <a:solidFill>
+              <a:prstClr val="black"/>
+            </a:solidFill>
+          </a:ln>
+        </p:spPr>
+        <p:txBody>
+          <a:bodyPr vert="horz" lIns="91440" tIns="45720" rIns="91440" bIns="45720" rtlCol="0" anchor="ctr"/>
+          <a:lstStyle/>
+          <a:p>
+            <a:endParaRPr lang="en-US"/>
+          </a:p>
+        </p:txBody>
+      </p:sp>
+      <p:sp>
+        <p:nvSpPr>
+          <p:cNvPr id="5" name="Notes Placeholder 4"/>
+          <p:cNvSpPr>
+            <a:spLocks noGrp="1"/>
+          </p:cNvSpPr>
+          <p:nvPr>
+            <p:ph type="body" sz="quarter" idx="3"/>
+          </p:nvPr>
+        </p:nvSpPr>
+        <p:spPr>
+          <a:xfrm>
+            <a:off x="685800" y="4400550"/>
+            <a:ext cx="5486400" cy="3600450"/>
+          </a:xfrm>
+          <a:prstGeom prst="rect">
+            <a:avLst/>
+          </a:prstGeom>
+        </p:spPr>
+        <p:txBody>
+          <a:bodyPr vert="horz" lIns="91440" tIns="45720" rIns="91440" bIns="45720" rtlCol="0"/>
+          <a:lstStyle/>
+          <a:p>
+            <a:pPr lvl="0"/>
+            <a:r>
+              <a:rPr lang="en-US"/>
+              <a:t>Click to edit Master text styles</a:t>
+            </a:r>
+          </a:p>
+          <a:p>
+            <a:pPr lvl="1"/>
+            <a:r>
+              <a:rPr lang="en-US"/>
+              <a:t>Second level</a:t>
+            </a:r>
+          </a:p>
+          <a:p>
+            <a:pPr lvl="2"/>
+            <a:r>
+              <a:rPr lang="en-US"/>
+              <a:t>Third level</a:t>
+            </a:r>
+          </a:p>
+          <a:p>
+            <a:pPr lvl="3"/>
+            <a:r>
+              <a:rPr lang="en-US"/>
+              <a:t>Fourth level</a:t>
+            </a:r>
+          </a:p>
+          <a:p>
+            <a:pPr lvl="4"/>
+            <a:r>
+              <a:rPr lang="en-US"/>
+              <a:t>Fifth level</a:t>
+            </a:r>
+          </a:p>
+        </p:txBody>
+      </p:sp>
+      <p:sp>
+        <p:nvSpPr>
+          <p:cNvPr id="6" name="Footer Placeholder 5"/>
+          <p:cNvSpPr>
+            <a:spLocks noGrp="1"/>
+          </p:cNvSpPr>
+          <p:nvPr>
+            <p:ph type="ftr" sz="quarter" idx="4"/>
+          </p:nvPr>
+        </p:nvSpPr>
+        <p:spPr>
+          <a:xfrm>
+            <a:off x="0" y="8685213"/>
+            <a:ext cx="2971800" cy="458787"/>
+          </a:xfrm>
+          <a:prstGeom prst="rect">
+            <a:avLst/>
+          </a:prstGeom>
+        </p:spPr>
+        <p:txBody>
+          <a:bodyPr vert="horz" lIns="91440" tIns="45720" rIns="91440" bIns="45720" rtlCol="0" anchor="b"/>
+          <a:lstStyle>
+            <a:lvl1pPr algn="l">
+              <a:defRPr sz="1200"/>
+            </a:lvl1pPr>
+          </a:lstStyle>
+          <a:p>
+            <a:endParaRPr lang="en-US"/>
+          </a:p>
+        </p:txBody>
+      </p:sp>
+      <p:sp>
+        <p:nvSpPr>
+          <p:cNvPr id="7" name="Slide Number Placeholder 6"/>
+          <p:cNvSpPr>
+            <a:spLocks noGrp="1"/>
+          </p:cNvSpPr>
+          <p:nvPr>
+            <p:ph type="sldNum" sz="quarter" idx="5"/>
+          </p:nvPr>
+        </p:nvSpPr>
+        <p:spPr>
+          <a:xfrm>
+            <a:off x="3884613" y="8685213"/>
+            <a:ext cx="2971800" cy="458787"/>
+          </a:xfrm>
+          <a:prstGeom prst="rect">
+            <a:avLst/>
+          </a:prstGeom>
+        </p:spPr>
+        <p:txBody>
+          <a:bodyPr vert="horz" lIns="91440" tIns="45720" rIns="91440" bIns="45720" rtlCol="0" anchor="b"/>
+          <a:lstStyle>
+            <a:lvl1pPr algn="r">
+              <a:defRPr sz="1200"/>
+            </a:lvl1pPr>
+          </a:lstStyle>
+          <a:p>
+            <a:fld id="{FCE0A0C5-5CD9-0A45-A7FF-203A9F2E8D3F}" type="slidenum">
+              <a:rPr lang="en-US" smtClean="0"/>
+              <a:t>‹#›</a:t>
+            </a:fld>
+            <a:endParaRPr lang="en-US"/>
+          </a:p>
+        </p:txBody>
+      </p:sp>
+    </p:spTree>
+    <p:extLst>
+      <p:ext uri="{BB962C8B-B14F-4D97-AF65-F5344CB8AC3E}">
+        <p14:creationId xmlns:p14="http://schemas.microsoft.com/office/powerpoint/2010/main" val="923167039"/>
+      </p:ext>
+    </p:extLst>
+  </p:cSld>
+  <p:clrMap bg1="lt1" tx1="dk1" bg2="lt2" tx2="dk2" accent1="accent1" accent2="accent2" accent3="accent3" accent4="accent4" accent5="accent5" accent6="accent6" hlink="hlink" folHlink="folHlink"/>
+  <p:notesStyle>
+    <a:lvl1pPr marL="0" algn="l" defTabSz="914400" rtl="0" eaLnBrk="1" latinLnBrk="0" hangingPunct="1">
+      <a:defRPr sz="1200" kern="1200">
+        <a:solidFill>
+          <a:schemeClr val="tx1"/>
+        </a:solidFill>
+        <a:latin typeface="+mn-lt"/>
+        <a:ea typeface="+mn-ea"/>
+        <a:cs typeface="+mn-cs"/>
+      </a:defRPr>
+    </a:lvl1pPr>
+    <a:lvl2pPr marL="457200" algn="l" defTabSz="914400" rtl="0" eaLnBrk="1" latinLnBrk="0" hangingPunct="1">
+      <a:defRPr sz="1200" kern="1200">
+        <a:solidFill>
+          <a:schemeClr val="tx1"/>
+        </a:solidFill>
+        <a:latin typeface="+mn-lt"/>
+        <a:ea typeface="+mn-ea"/>
+        <a:cs typeface="+mn-cs"/>
+      </a:defRPr>
+    </a:lvl2pPr>
+    <a:lvl3pPr marL="914400" algn="l" defTabSz="914400" rtl="0" eaLnBrk="1" latinLnBrk="0" hangingPunct="1">
+      <a:defRPr sz="1200" kern="1200">
+        <a:solidFill>
+          <a:schemeClr val="tx1"/>
+        </a:solidFill>
+        <a:latin typeface="+mn-lt"/>
+        <a:ea typeface="+mn-ea"/>
+        <a:cs typeface="+mn-cs"/>
+      </a:defRPr>
+    </a:lvl3pPr>
+    <a:lvl4pPr marL="1371600" algn="l" defTabSz="914400" rtl="0" eaLnBrk="1" latinLnBrk="0" hangingPunct="1">
+      <a:defRPr sz="1200" kern="1200">
+        <a:solidFill>
+          <a:schemeClr val="tx1"/>
+        </a:solidFill>
+        <a:latin typeface="+mn-lt"/>
+        <a:ea typeface="+mn-ea"/>
+        <a:cs typeface="+mn-cs"/>
+      </a:defRPr>
+    </a:lvl4pPr>
+    <a:lvl5pPr marL="1828800" algn="l" defTabSz="914400" rtl="0" eaLnBrk="1" latinLnBrk="0" hangingPunct="1">
+      <a:defRPr sz="1200" kern="1200">
+        <a:solidFill>
+          <a:schemeClr val="tx1"/>
+        </a:solidFill>
+        <a:latin typeface="+mn-lt"/>
+        <a:ea typeface="+mn-ea"/>
+        <a:cs typeface="+mn-cs"/>
+      </a:defRPr>
+    </a:lvl5pPr>
+    <a:lvl6pPr marL="2286000" algn="l" defTabSz="914400" rtl="0" eaLnBrk="1" latinLnBrk="0" hangingPunct="1">
+      <a:defRPr sz="1200" kern="1200">
+        <a:solidFill>
+          <a:schemeClr val="tx1"/>
+        </a:solidFill>
+        <a:latin typeface="+mn-lt"/>
+        <a:ea typeface="+mn-ea"/>
+        <a:cs typeface="+mn-cs"/>
+      </a:defRPr>
+    </a:lvl6pPr>
+    <a:lvl7pPr marL="2743200" algn="l" defTabSz="914400" rtl="0" eaLnBrk="1" latinLnBrk="0" hangingPunct="1">
+      <a:defRPr sz="1200" kern="1200">
+        <a:solidFill>
+          <a:schemeClr val="tx1"/>
+        </a:solidFill>
+        <a:latin typeface="+mn-lt"/>
+        <a:ea typeface="+mn-ea"/>
+        <a:cs typeface="+mn-cs"/>
+      </a:defRPr>
+    </a:lvl7pPr>
+    <a:lvl8pPr marL="3200400" algn="l" defTabSz="914400" rtl="0" eaLnBrk="1" latinLnBrk="0" hangingPunct="1">
+      <a:defRPr sz="1200" kern="1200">
+        <a:solidFill>
+          <a:schemeClr val="tx1"/>
+        </a:solidFill>
+        <a:latin typeface="+mn-lt"/>
+        <a:ea typeface="+mn-ea"/>
+        <a:cs typeface="+mn-cs"/>
+      </a:defRPr>
+    </a:lvl8pPr>
+    <a:lvl9pPr marL="3657600" algn="l" defTabSz="914400" rtl="0" eaLnBrk="1" latinLnBrk="0" hangingPunct="1">
+      <a:defRPr sz="1200" kern="1200">
+        <a:solidFill>
+          <a:schemeClr val="tx1"/>
+        </a:solidFill>
+        <a:latin typeface="+mn-lt"/>
+        <a:ea typeface="+mn-ea"/>
+        <a:cs typeface="+mn-cs"/>
+      </a:defRPr>
+    </a:lvl9pPr>
+  </p:notesStyle>
+</p:notesMaster>
+</file>
+
+<file path=ppt/notesSlides/notesSlide1.xml><?xml version="1.0" encoding="utf-8"?>
+<p:notes xmlns:a="http://schemas.openxmlformats.org/drawingml/2006/main" xmlns:r="http://schemas.openxmlformats.org/officeDocument/2006/relationships" xmlns:p="http://schemas.openxmlformats.org/presentationml/2006/main">
+  <p:cSld>
+    <p:spTree>
+      <p:nvGrpSpPr>
+        <p:cNvPr id="1" name=""/>
+        <p:cNvGrpSpPr/>
+        <p:nvPr/>
+      </p:nvGrpSpPr>
+      <p:grpSpPr>
+        <a:xfrm>
+          <a:off x="0" y="0"/>
+          <a:ext cx="0" cy="0"/>
+          <a:chOff x="0" y="0"/>
+          <a:chExt cx="0" cy="0"/>
+        </a:xfrm>
+      </p:grpSpPr>
+      <p:sp>
+        <p:nvSpPr>
+          <p:cNvPr id="2" name="Slide Image Placeholder 1"/>
+          <p:cNvSpPr>
+            <a:spLocks noGrp="1" noRot="1" noChangeAspect="1"/>
+          </p:cNvSpPr>
+          <p:nvPr>
+            <p:ph type="sldImg"/>
+          </p:nvPr>
+        </p:nvSpPr>
+        <p:spPr/>
+      </p:sp>
+      <p:sp>
+        <p:nvSpPr>
+          <p:cNvPr id="3" name="Notes Placeholder 2"/>
+          <p:cNvSpPr>
+            <a:spLocks noGrp="1"/>
+          </p:cNvSpPr>
+          <p:nvPr>
+            <p:ph type="body" idx="1"/>
+          </p:nvPr>
+        </p:nvSpPr>
+        <p:spPr/>
+        <p:txBody>
+          <a:bodyPr/>
+          <a:lstStyle/>
+          <a:p>
+            <a:pPr marL="285750" indent="-285750">
+              <a:buFont typeface="Arial" panose="020B0604020202020204" pitchFamily="34" charset="0"/>
+              <a:buChar char="•"/>
+            </a:pPr>
+            <a:r>
+              <a:rPr lang="en-US" dirty="0"/>
+              <a:t>Positive - GDP, Freedom, &lt;5 Deaths, Social Support</a:t>
+            </a:r>
+          </a:p>
+          <a:p>
+            <a:pPr marL="285750" indent="-285750">
+              <a:buFont typeface="Arial" panose="020B0604020202020204" pitchFamily="34" charset="0"/>
+              <a:buChar char="•"/>
+            </a:pPr>
+            <a:r>
+              <a:rPr lang="en-US" dirty="0"/>
+              <a:t>Negative - Thinness 1-19 years, Measles, Population, HIV/AIDs, Polio,  Adult Mortality</a:t>
+            </a:r>
+          </a:p>
+          <a:p>
+            <a:endParaRPr lang="en-US" dirty="0"/>
+          </a:p>
+        </p:txBody>
+      </p:sp>
+      <p:sp>
+        <p:nvSpPr>
+          <p:cNvPr id="4" name="Slide Number Placeholder 3"/>
+          <p:cNvSpPr>
+            <a:spLocks noGrp="1"/>
+          </p:cNvSpPr>
+          <p:nvPr>
+            <p:ph type="sldNum" sz="quarter" idx="5"/>
+          </p:nvPr>
+        </p:nvSpPr>
+        <p:spPr/>
+        <p:txBody>
+          <a:bodyPr/>
+          <a:lstStyle/>
+          <a:p>
+            <a:fld id="{FCE0A0C5-5CD9-0A45-A7FF-203A9F2E8D3F}" type="slidenum">
+              <a:rPr lang="en-US" smtClean="0"/>
+              <a:t>9</a:t>
+            </a:fld>
+            <a:endParaRPr lang="en-US"/>
+          </a:p>
+        </p:txBody>
+      </p:sp>
+    </p:spTree>
+    <p:extLst>
+      <p:ext uri="{BB962C8B-B14F-4D97-AF65-F5344CB8AC3E}">
+        <p14:creationId xmlns:p14="http://schemas.microsoft.com/office/powerpoint/2010/main" val="1115753384"/>
+      </p:ext>
+    </p:extLst>
+  </p:cSld>
+  <p:clrMapOvr>
+    <a:masterClrMapping/>
+  </p:clrMapOvr>
+</p:notes>
+</file>
+
 <file path=ppt/slideLayouts/slideLayout1.xml><?xml version="1.0" encoding="utf-8"?>
 <p:sldLayout xmlns:a="http://schemas.openxmlformats.org/drawingml/2006/main" xmlns:r="http://schemas.openxmlformats.org/officeDocument/2006/relationships" xmlns:p="http://schemas.openxmlformats.org/presentationml/2006/main" type="title" preserve="1">
   <p:cSld name="Title Slide">
@@ -442,7 +903,7 @@
           <a:p>
             <a:fld id="{1160EA64-D806-43AC-9DF2-F8C432F32B4C}" type="datetimeFigureOut">
               <a:rPr lang="en-US" dirty="0"/>
-              <a:t>3/16/2021</a:t>
+              <a:t>3/17/21</a:t>
             </a:fld>
             <a:endParaRPr lang="en-US" dirty="0"/>
           </a:p>
@@ -608,7 +1069,7 @@
           <a:p>
             <a:fld id="{E9F9C37B-1D36-470B-8223-D6C91242EC14}" type="datetimeFigureOut">
               <a:rPr lang="en-US" dirty="0"/>
-              <a:t>3/16/2021</a:t>
+              <a:t>3/17/21</a:t>
             </a:fld>
             <a:endParaRPr lang="en-US" dirty="0"/>
           </a:p>
@@ -783,7 +1244,7 @@
           <a:p>
             <a:fld id="{67C6F52A-A82B-47A2-A83A-8C4C91F2D59F}" type="datetimeFigureOut">
               <a:rPr lang="en-US" dirty="0"/>
-              <a:t>3/16/2021</a:t>
+              <a:t>3/17/21</a:t>
             </a:fld>
             <a:endParaRPr lang="en-US" dirty="0"/>
           </a:p>
@@ -948,7 +1409,7 @@
           <a:p>
             <a:fld id="{F070A7B3-6521-4DCA-87E5-044747A908C1}" type="datetimeFigureOut">
               <a:rPr lang="en-US" dirty="0"/>
-              <a:t>3/16/2021</a:t>
+              <a:t>3/17/21</a:t>
             </a:fld>
             <a:endParaRPr lang="en-US" dirty="0"/>
           </a:p>
@@ -1212,7 +1673,7 @@
           <a:p>
             <a:fld id="{1160EA64-D806-43AC-9DF2-F8C432F32B4C}" type="datetimeFigureOut">
               <a:rPr lang="en-US" dirty="0"/>
-              <a:t>3/16/2021</a:t>
+              <a:t>3/17/21</a:t>
             </a:fld>
             <a:endParaRPr lang="en-US" dirty="0"/>
           </a:p>
@@ -1440,7 +1901,7 @@
           <a:p>
             <a:fld id="{AB134690-1557-4C89-A502-4959FE7FAD70}" type="datetimeFigureOut">
               <a:rPr lang="en-US" dirty="0"/>
-              <a:t>3/16/2021</a:t>
+              <a:t>3/17/21</a:t>
             </a:fld>
             <a:endParaRPr lang="en-US" dirty="0"/>
           </a:p>
@@ -1794,7 +2255,7 @@
           <a:p>
             <a:fld id="{4F7D4976-E339-4826-83B7-FBD03F55ECF8}" type="datetimeFigureOut">
               <a:rPr lang="en-US" dirty="0"/>
-              <a:t>3/16/2021</a:t>
+              <a:t>3/17/21</a:t>
             </a:fld>
             <a:endParaRPr lang="en-US" dirty="0"/>
           </a:p>
@@ -1930,7 +2391,7 @@
           <a:p>
             <a:fld id="{E1037C31-9E7A-4F99-8774-A0E530DE1A42}" type="datetimeFigureOut">
               <a:rPr lang="en-US" dirty="0"/>
-              <a:t>3/16/2021</a:t>
+              <a:t>3/17/21</a:t>
             </a:fld>
             <a:endParaRPr lang="en-US" dirty="0"/>
           </a:p>
@@ -2020,7 +2481,7 @@
           <a:p>
             <a:fld id="{C278504F-A551-4DE0-9316-4DCD1D8CC752}" type="datetimeFigureOut">
               <a:rPr lang="en-US" dirty="0"/>
-              <a:t>3/16/2021</a:t>
+              <a:t>3/17/21</a:t>
             </a:fld>
             <a:endParaRPr lang="en-US" dirty="0"/>
           </a:p>
@@ -2372,7 +2833,7 @@
           <a:p>
             <a:fld id="{D1BE4249-C0D0-4B06-8692-E8BB871AF643}" type="datetimeFigureOut">
               <a:rPr lang="en-US" dirty="0"/>
-              <a:t>3/16/2021</a:t>
+              <a:t>3/17/21</a:t>
             </a:fld>
             <a:endParaRPr lang="en-US" dirty="0"/>
           </a:p>
@@ -2724,7 +3185,7 @@
           <a:p>
             <a:fld id="{042B0DB6-F5C7-45FB-8CF3-31B45F9C2DAC}" type="datetimeFigureOut">
               <a:rPr lang="en-US" dirty="0"/>
-              <a:t>3/16/2021</a:t>
+              <a:t>3/17/21</a:t>
             </a:fld>
             <a:endParaRPr lang="en-US" dirty="0"/>
           </a:p>
@@ -2961,7 +3422,7 @@
           <a:p>
             <a:fld id="{1160EA64-D806-43AC-9DF2-F8C432F32B4C}" type="datetimeFigureOut">
               <a:rPr lang="en-US" dirty="0"/>
-              <a:t>3/16/2021</a:t>
+              <a:t>3/17/21</a:t>
             </a:fld>
             <a:endParaRPr lang="en-US" dirty="0"/>
           </a:p>
@@ -4619,7 +5080,12 @@
             <p:ph type="title"/>
           </p:nvPr>
         </p:nvSpPr>
-        <p:spPr/>
+        <p:spPr>
+          <a:xfrm>
+            <a:off x="2231136" y="428232"/>
+            <a:ext cx="7729728" cy="1188720"/>
+          </a:xfrm>
+        </p:spPr>
         <p:txBody>
           <a:bodyPr/>
           <a:lstStyle/>
@@ -4631,31 +5097,65 @@
           </a:p>
         </p:txBody>
       </p:sp>
-      <p:sp>
-        <p:nvSpPr>
-          <p:cNvPr id="3" name="Content Placeholder 2">
+      <p:pic>
+        <p:nvPicPr>
+          <p:cNvPr id="5" name="Content Placeholder 4" descr="Chart&#10;&#10;Description automatically generated">
             <a:extLst>
               <a:ext uri="{FF2B5EF4-FFF2-40B4-BE49-F238E27FC236}">
-                <a16:creationId xmlns:a16="http://schemas.microsoft.com/office/drawing/2014/main" id="{380AAE66-5A28-47D3-BF8B-8C19ED8A50D5}"/>
+                <a16:creationId xmlns:a16="http://schemas.microsoft.com/office/drawing/2014/main" id="{63E596FB-C615-964D-9489-E21A577397A7}"/>
               </a:ext>
             </a:extLst>
           </p:cNvPr>
-          <p:cNvSpPr>
-            <a:spLocks noGrp="1"/>
-          </p:cNvSpPr>
+          <p:cNvPicPr>
+            <a:picLocks noGrp="1" noChangeAspect="1"/>
+          </p:cNvPicPr>
           <p:nvPr>
             <p:ph idx="1"/>
           </p:nvPr>
-        </p:nvSpPr>
-        <p:spPr/>
-        <p:txBody>
-          <a:bodyPr/>
-          <a:lstStyle/>
-          <a:p>
-            <a:endParaRPr lang="en-US"/>
-          </a:p>
-        </p:txBody>
-      </p:sp>
+        </p:nvPicPr>
+        <p:blipFill>
+          <a:blip r:embed="rId3"/>
+          <a:stretch>
+            <a:fillRect/>
+          </a:stretch>
+        </p:blipFill>
+        <p:spPr>
+          <a:xfrm>
+            <a:off x="3999162" y="1341083"/>
+            <a:ext cx="8092812" cy="5395208"/>
+          </a:xfrm>
+        </p:spPr>
+      </p:pic>
+      <p:pic>
+        <p:nvPicPr>
+          <p:cNvPr id="7" name="Picture 6" descr="Chart, scatter chart&#10;&#10;Description automatically generated">
+            <a:extLst>
+              <a:ext uri="{FF2B5EF4-FFF2-40B4-BE49-F238E27FC236}">
+                <a16:creationId xmlns:a16="http://schemas.microsoft.com/office/drawing/2014/main" id="{85D80DDA-DEEF-2140-B2A2-39CEBB19736F}"/>
+              </a:ext>
+            </a:extLst>
+          </p:cNvPr>
+          <p:cNvPicPr>
+            <a:picLocks noChangeAspect="1"/>
+          </p:cNvPicPr>
+          <p:nvPr/>
+        </p:nvPicPr>
+        <p:blipFill>
+          <a:blip r:embed="rId4"/>
+          <a:stretch>
+            <a:fillRect/>
+          </a:stretch>
+        </p:blipFill>
+        <p:spPr>
+          <a:xfrm>
+            <a:off x="698540" y="2529803"/>
+            <a:ext cx="3763499" cy="2508999"/>
+          </a:xfrm>
+          <a:prstGeom prst="rect">
+            <a:avLst/>
+          </a:prstGeom>
+        </p:spPr>
+      </p:pic>
     </p:spTree>
     <p:extLst>
       <p:ext uri="{BB962C8B-B14F-4D97-AF65-F5344CB8AC3E}">
@@ -4927,4 +5427,299 @@
     </a:ext>
   </a:extLst>
 </a:theme>
+</file>
+
+<file path=ppt/theme/theme2.xml><?xml version="1.0" encoding="utf-8"?>
+<a:theme xmlns:a="http://schemas.openxmlformats.org/drawingml/2006/main" name="Office Theme">
+  <a:themeElements>
+    <a:clrScheme name="Office">
+      <a:dk1>
+        <a:sysClr val="windowText" lastClr="000000"/>
+      </a:dk1>
+      <a:lt1>
+        <a:sysClr val="window" lastClr="FFFFFF"/>
+      </a:lt1>
+      <a:dk2>
+        <a:srgbClr val="44546A"/>
+      </a:dk2>
+      <a:lt2>
+        <a:srgbClr val="E7E6E6"/>
+      </a:lt2>
+      <a:accent1>
+        <a:srgbClr val="4472C4"/>
+      </a:accent1>
+      <a:accent2>
+        <a:srgbClr val="ED7D31"/>
+      </a:accent2>
+      <a:accent3>
+        <a:srgbClr val="A5A5A5"/>
+      </a:accent3>
+      <a:accent4>
+        <a:srgbClr val="FFC000"/>
+      </a:accent4>
+      <a:accent5>
+        <a:srgbClr val="5B9BD5"/>
+      </a:accent5>
+      <a:accent6>
+        <a:srgbClr val="70AD47"/>
+      </a:accent6>
+      <a:hlink>
+        <a:srgbClr val="0563C1"/>
+      </a:hlink>
+      <a:folHlink>
+        <a:srgbClr val="954F72"/>
+      </a:folHlink>
+    </a:clrScheme>
+    <a:fontScheme name="Office">
+      <a:majorFont>
+        <a:latin typeface="Calibri Light" panose="020F0302020204030204"/>
+        <a:ea typeface=""/>
+        <a:cs typeface=""/>
+        <a:font script="Jpan" typeface="游ゴシック Light"/>
+        <a:font script="Hang" typeface="맑은 고딕"/>
+        <a:font script="Hans" typeface="等线 Light"/>
+        <a:font script="Hant" typeface="新細明體"/>
+        <a:font script="Arab" typeface="Times New Roman"/>
+        <a:font script="Hebr" typeface="Times New Roman"/>
+        <a:font script="Thai" typeface="Angsana New"/>
+        <a:font script="Ethi" typeface="Nyala"/>
+        <a:font script="Beng" typeface="Vrinda"/>
+        <a:font script="Gujr" typeface="Shruti"/>
+        <a:font script="Khmr" typeface="MoolBoran"/>
+        <a:font script="Knda" typeface="Tunga"/>
+        <a:font script="Guru" typeface="Raavi"/>
+        <a:font script="Cans" typeface="Euphemia"/>
+        <a:font script="Cher" typeface="Plantagenet Cherokee"/>
+        <a:font script="Yiii" typeface="Microsoft Yi Baiti"/>
+        <a:font script="Tibt" typeface="Microsoft Himalaya"/>
+        <a:font script="Thaa" typeface="MV Boli"/>
+        <a:font script="Deva" typeface="Mangal"/>
+        <a:font script="Telu" typeface="Gautami"/>
+        <a:font script="Taml" typeface="Latha"/>
+        <a:font script="Syrc" typeface="Estrangelo Edessa"/>
+        <a:font script="Orya" typeface="Kalinga"/>
+        <a:font script="Mlym" typeface="Kartika"/>
+        <a:font script="Laoo" typeface="DokChampa"/>
+        <a:font script="Sinh" typeface="Iskoola Pota"/>
+        <a:font script="Mong" typeface="Mongolian Baiti"/>
+        <a:font script="Viet" typeface="Times New Roman"/>
+        <a:font script="Uigh" typeface="Microsoft Uighur"/>
+        <a:font script="Geor" typeface="Sylfaen"/>
+        <a:font script="Armn" typeface="Arial"/>
+        <a:font script="Bugi" typeface="Leelawadee UI"/>
+        <a:font script="Bopo" typeface="Microsoft JhengHei"/>
+        <a:font script="Java" typeface="Javanese Text"/>
+        <a:font script="Lisu" typeface="Segoe UI"/>
+        <a:font script="Mymr" typeface="Myanmar Text"/>
+        <a:font script="Nkoo" typeface="Ebrima"/>
+        <a:font script="Olck" typeface="Nirmala UI"/>
+        <a:font script="Osma" typeface="Ebrima"/>
+        <a:font script="Phag" typeface="Phagspa"/>
+        <a:font script="Syrn" typeface="Estrangelo Edessa"/>
+        <a:font script="Syrj" typeface="Estrangelo Edessa"/>
+        <a:font script="Syre" typeface="Estrangelo Edessa"/>
+        <a:font script="Sora" typeface="Nirmala UI"/>
+        <a:font script="Tale" typeface="Microsoft Tai Le"/>
+        <a:font script="Talu" typeface="Microsoft New Tai Lue"/>
+        <a:font script="Tfng" typeface="Ebrima"/>
+      </a:majorFont>
+      <a:minorFont>
+        <a:latin typeface="Calibri" panose="020F0502020204030204"/>
+        <a:ea typeface=""/>
+        <a:cs typeface=""/>
+        <a:font script="Jpan" typeface="游ゴシック"/>
+        <a:font script="Hang" typeface="맑은 고딕"/>
+        <a:font script="Hans" typeface="等线"/>
+        <a:font script="Hant" typeface="新細明體"/>
+        <a:font script="Arab" typeface="Arial"/>
+        <a:font script="Hebr" typeface="Arial"/>
+        <a:font script="Thai" typeface="Cordia New"/>
+        <a:font script="Ethi" typeface="Nyala"/>
+        <a:font script="Beng" typeface="Vrinda"/>
+        <a:font script="Gujr" typeface="Shruti"/>
+        <a:font script="Khmr" typeface="DaunPenh"/>
+        <a:font script="Knda" typeface="Tunga"/>
+        <a:font script="Guru" typeface="Raavi"/>
+        <a:font script="Cans" typeface="Euphemia"/>
+        <a:font script="Cher" typeface="Plantagenet Cherokee"/>
+        <a:font script="Yiii" typeface="Microsoft Yi Baiti"/>
+        <a:font script="Tibt" typeface="Microsoft Himalaya"/>
+        <a:font script="Thaa" typeface="MV Boli"/>
+        <a:font script="Deva" typeface="Mangal"/>
+        <a:font script="Telu" typeface="Gautami"/>
+        <a:font script="Taml" typeface="Latha"/>
+        <a:font script="Syrc" typeface="Estrangelo Edessa"/>
+        <a:font script="Orya" typeface="Kalinga"/>
+        <a:font script="Mlym" typeface="Kartika"/>
+        <a:font script="Laoo" typeface="DokChampa"/>
+        <a:font script="Sinh" typeface="Iskoola Pota"/>
+        <a:font script="Mong" typeface="Mongolian Baiti"/>
+        <a:font script="Viet" typeface="Arial"/>
+        <a:font script="Uigh" typeface="Microsoft Uighur"/>
+        <a:font script="Geor" typeface="Sylfaen"/>
+        <a:font script="Armn" typeface="Arial"/>
+        <a:font script="Bugi" typeface="Leelawadee UI"/>
+        <a:font script="Bopo" typeface="Microsoft JhengHei"/>
+        <a:font script="Java" typeface="Javanese Text"/>
+        <a:font script="Lisu" typeface="Segoe UI"/>
+        <a:font script="Mymr" typeface="Myanmar Text"/>
+        <a:font script="Nkoo" typeface="Ebrima"/>
+        <a:font script="Olck" typeface="Nirmala UI"/>
+        <a:font script="Osma" typeface="Ebrima"/>
+        <a:font script="Phag" typeface="Phagspa"/>
+        <a:font script="Syrn" typeface="Estrangelo Edessa"/>
+        <a:font script="Syrj" typeface="Estrangelo Edessa"/>
+        <a:font script="Syre" typeface="Estrangelo Edessa"/>
+        <a:font script="Sora" typeface="Nirmala UI"/>
+        <a:font script="Tale" typeface="Microsoft Tai Le"/>
+        <a:font script="Talu" typeface="Microsoft New Tai Lue"/>
+        <a:font script="Tfng" typeface="Ebrima"/>
+      </a:minorFont>
+    </a:fontScheme>
+    <a:fmtScheme name="Office">
+      <a:fillStyleLst>
+        <a:solidFill>
+          <a:schemeClr val="phClr"/>
+        </a:solidFill>
+        <a:gradFill rotWithShape="1">
+          <a:gsLst>
+            <a:gs pos="0">
+              <a:schemeClr val="phClr">
+                <a:lumMod val="110000"/>
+                <a:satMod val="105000"/>
+                <a:tint val="67000"/>
+              </a:schemeClr>
+            </a:gs>
+            <a:gs pos="50000">
+              <a:schemeClr val="phClr">
+                <a:lumMod val="105000"/>
+                <a:satMod val="103000"/>
+                <a:tint val="73000"/>
+              </a:schemeClr>
+            </a:gs>
+            <a:gs pos="100000">
+              <a:schemeClr val="phClr">
+                <a:lumMod val="105000"/>
+                <a:satMod val="109000"/>
+                <a:tint val="81000"/>
+              </a:schemeClr>
+            </a:gs>
+          </a:gsLst>
+          <a:lin ang="5400000" scaled="0"/>
+        </a:gradFill>
+        <a:gradFill rotWithShape="1">
+          <a:gsLst>
+            <a:gs pos="0">
+              <a:schemeClr val="phClr">
+                <a:satMod val="103000"/>
+                <a:lumMod val="102000"/>
+                <a:tint val="94000"/>
+              </a:schemeClr>
+            </a:gs>
+            <a:gs pos="50000">
+              <a:schemeClr val="phClr">
+                <a:satMod val="110000"/>
+                <a:lumMod val="100000"/>
+                <a:shade val="100000"/>
+              </a:schemeClr>
+            </a:gs>
+            <a:gs pos="100000">
+              <a:schemeClr val="phClr">
+                <a:lumMod val="99000"/>
+                <a:satMod val="120000"/>
+                <a:shade val="78000"/>
+              </a:schemeClr>
+            </a:gs>
+          </a:gsLst>
+          <a:lin ang="5400000" scaled="0"/>
+        </a:gradFill>
+      </a:fillStyleLst>
+      <a:lnStyleLst>
+        <a:ln w="6350" cap="flat" cmpd="sng" algn="ctr">
+          <a:solidFill>
+            <a:schemeClr val="phClr"/>
+          </a:solidFill>
+          <a:prstDash val="solid"/>
+          <a:miter lim="800000"/>
+        </a:ln>
+        <a:ln w="12700" cap="flat" cmpd="sng" algn="ctr">
+          <a:solidFill>
+            <a:schemeClr val="phClr"/>
+          </a:solidFill>
+          <a:prstDash val="solid"/>
+          <a:miter lim="800000"/>
+        </a:ln>
+        <a:ln w="19050" cap="flat" cmpd="sng" algn="ctr">
+          <a:solidFill>
+            <a:schemeClr val="phClr"/>
+          </a:solidFill>
+          <a:prstDash val="solid"/>
+          <a:miter lim="800000"/>
+        </a:ln>
+      </a:lnStyleLst>
+      <a:effectStyleLst>
+        <a:effectStyle>
+          <a:effectLst/>
+        </a:effectStyle>
+        <a:effectStyle>
+          <a:effectLst/>
+        </a:effectStyle>
+        <a:effectStyle>
+          <a:effectLst>
+            <a:outerShdw blurRad="57150" dist="19050" dir="5400000" algn="ctr" rotWithShape="0">
+              <a:srgbClr val="000000">
+                <a:alpha val="63000"/>
+              </a:srgbClr>
+            </a:outerShdw>
+          </a:effectLst>
+        </a:effectStyle>
+      </a:effectStyleLst>
+      <a:bgFillStyleLst>
+        <a:solidFill>
+          <a:schemeClr val="phClr"/>
+        </a:solidFill>
+        <a:solidFill>
+          <a:schemeClr val="phClr">
+            <a:tint val="95000"/>
+            <a:satMod val="170000"/>
+          </a:schemeClr>
+        </a:solidFill>
+        <a:gradFill rotWithShape="1">
+          <a:gsLst>
+            <a:gs pos="0">
+              <a:schemeClr val="phClr">
+                <a:tint val="93000"/>
+                <a:satMod val="150000"/>
+                <a:shade val="98000"/>
+                <a:lumMod val="102000"/>
+              </a:schemeClr>
+            </a:gs>
+            <a:gs pos="50000">
+              <a:schemeClr val="phClr">
+                <a:tint val="98000"/>
+                <a:satMod val="130000"/>
+                <a:shade val="90000"/>
+                <a:lumMod val="103000"/>
+              </a:schemeClr>
+            </a:gs>
+            <a:gs pos="100000">
+              <a:schemeClr val="phClr">
+                <a:shade val="63000"/>
+                <a:satMod val="120000"/>
+              </a:schemeClr>
+            </a:gs>
+          </a:gsLst>
+          <a:lin ang="5400000" scaled="0"/>
+        </a:gradFill>
+      </a:bgFillStyleLst>
+    </a:fmtScheme>
+  </a:themeElements>
+  <a:objectDefaults/>
+  <a:extraClrSchemeLst/>
+  <a:extLst>
+    <a:ext uri="{05A4C25C-085E-4340-85A3-A5531E510DB2}">
+      <thm15:themeFamily xmlns:thm15="http://schemas.microsoft.com/office/thememl/2012/main" name="Office Theme" id="{62F939B6-93AF-4DB8-9C6B-D6C7DFDC589F}" vid="{4A3C46E8-61CC-4603-A589-7422A47A8E4A}"/>
+    </a:ext>
+  </a:extLst>
+</a:theme>
 </file>
--- a/Final Project.pptx
+++ b/Final Project.pptx
@@ -113,6 +113,11 @@
       </a:defRPr>
     </a:lvl9pPr>
   </p:defaultTextStyle>
+  <p:extLst>
+    <p:ext uri="{EFAFB233-063F-42B5-8137-9DF3F51BA10A}">
+      <p15:sldGuideLst xmlns:p15="http://schemas.microsoft.com/office/powerpoint/2012/main"/>
+    </p:ext>
+  </p:extLst>
 </p:presentation>
 </file>
 
@@ -442,7 +447,7 @@
           <a:p>
             <a:fld id="{1160EA64-D806-43AC-9DF2-F8C432F32B4C}" type="datetimeFigureOut">
               <a:rPr lang="en-US" dirty="0"/>
-              <a:t>3/16/2021</a:t>
+              <a:t>3/17/2021</a:t>
             </a:fld>
             <a:endParaRPr lang="en-US" dirty="0"/>
           </a:p>
@@ -608,7 +613,7 @@
           <a:p>
             <a:fld id="{E9F9C37B-1D36-470B-8223-D6C91242EC14}" type="datetimeFigureOut">
               <a:rPr lang="en-US" dirty="0"/>
-              <a:t>3/16/2021</a:t>
+              <a:t>3/17/2021</a:t>
             </a:fld>
             <a:endParaRPr lang="en-US" dirty="0"/>
           </a:p>
@@ -783,7 +788,7 @@
           <a:p>
             <a:fld id="{67C6F52A-A82B-47A2-A83A-8C4C91F2D59F}" type="datetimeFigureOut">
               <a:rPr lang="en-US" dirty="0"/>
-              <a:t>3/16/2021</a:t>
+              <a:t>3/17/2021</a:t>
             </a:fld>
             <a:endParaRPr lang="en-US" dirty="0"/>
           </a:p>
@@ -948,7 +953,7 @@
           <a:p>
             <a:fld id="{F070A7B3-6521-4DCA-87E5-044747A908C1}" type="datetimeFigureOut">
               <a:rPr lang="en-US" dirty="0"/>
-              <a:t>3/16/2021</a:t>
+              <a:t>3/17/2021</a:t>
             </a:fld>
             <a:endParaRPr lang="en-US" dirty="0"/>
           </a:p>
@@ -1212,7 +1217,7 @@
           <a:p>
             <a:fld id="{1160EA64-D806-43AC-9DF2-F8C432F32B4C}" type="datetimeFigureOut">
               <a:rPr lang="en-US" dirty="0"/>
-              <a:t>3/16/2021</a:t>
+              <a:t>3/17/2021</a:t>
             </a:fld>
             <a:endParaRPr lang="en-US" dirty="0"/>
           </a:p>
@@ -1440,7 +1445,7 @@
           <a:p>
             <a:fld id="{AB134690-1557-4C89-A502-4959FE7FAD70}" type="datetimeFigureOut">
               <a:rPr lang="en-US" dirty="0"/>
-              <a:t>3/16/2021</a:t>
+              <a:t>3/17/2021</a:t>
             </a:fld>
             <a:endParaRPr lang="en-US" dirty="0"/>
           </a:p>
@@ -1794,7 +1799,7 @@
           <a:p>
             <a:fld id="{4F7D4976-E339-4826-83B7-FBD03F55ECF8}" type="datetimeFigureOut">
               <a:rPr lang="en-US" dirty="0"/>
-              <a:t>3/16/2021</a:t>
+              <a:t>3/17/2021</a:t>
             </a:fld>
             <a:endParaRPr lang="en-US" dirty="0"/>
           </a:p>
@@ -1930,7 +1935,7 @@
           <a:p>
             <a:fld id="{E1037C31-9E7A-4F99-8774-A0E530DE1A42}" type="datetimeFigureOut">
               <a:rPr lang="en-US" dirty="0"/>
-              <a:t>3/16/2021</a:t>
+              <a:t>3/17/2021</a:t>
             </a:fld>
             <a:endParaRPr lang="en-US" dirty="0"/>
           </a:p>
@@ -2020,7 +2025,7 @@
           <a:p>
             <a:fld id="{C278504F-A551-4DE0-9316-4DCD1D8CC752}" type="datetimeFigureOut">
               <a:rPr lang="en-US" dirty="0"/>
-              <a:t>3/16/2021</a:t>
+              <a:t>3/17/2021</a:t>
             </a:fld>
             <a:endParaRPr lang="en-US" dirty="0"/>
           </a:p>
@@ -2372,7 +2377,7 @@
           <a:p>
             <a:fld id="{D1BE4249-C0D0-4B06-8692-E8BB871AF643}" type="datetimeFigureOut">
               <a:rPr lang="en-US" dirty="0"/>
-              <a:t>3/16/2021</a:t>
+              <a:t>3/17/2021</a:t>
             </a:fld>
             <a:endParaRPr lang="en-US" dirty="0"/>
           </a:p>
@@ -2724,7 +2729,7 @@
           <a:p>
             <a:fld id="{042B0DB6-F5C7-45FB-8CF3-31B45F9C2DAC}" type="datetimeFigureOut">
               <a:rPr lang="en-US" dirty="0"/>
-              <a:t>3/16/2021</a:t>
+              <a:t>3/17/2021</a:t>
             </a:fld>
             <a:endParaRPr lang="en-US" dirty="0"/>
           </a:p>
@@ -2961,7 +2966,7 @@
           <a:p>
             <a:fld id="{1160EA64-D806-43AC-9DF2-F8C432F32B4C}" type="datetimeFigureOut">
               <a:rPr lang="en-US" dirty="0"/>
-              <a:t>3/16/2021</a:t>
+              <a:t>3/17/2021</a:t>
             </a:fld>
             <a:endParaRPr lang="en-US" dirty="0"/>
           </a:p>
@@ -4417,6 +4422,14 @@
 <file path=ppt/slides/slide7.xml><?xml version="1.0" encoding="utf-8"?>
 <p:sld xmlns:a="http://schemas.openxmlformats.org/drawingml/2006/main" xmlns:r="http://schemas.openxmlformats.org/officeDocument/2006/relationships" xmlns:p="http://schemas.openxmlformats.org/presentationml/2006/main">
   <p:cSld>
+    <p:bg>
+      <p:bgPr>
+        <a:solidFill>
+          <a:schemeClr val="bg1"/>
+        </a:solidFill>
+        <a:effectLst/>
+      </p:bgPr>
+    </p:bg>
     <p:spTree>
       <p:nvGrpSpPr>
         <p:cNvPr id="1" name=""/>
@@ -4433,6 +4446,69 @@
       </p:grpSpPr>
       <p:sp>
         <p:nvSpPr>
+          <p:cNvPr id="10" name="Rectangle 9">
+            <a:extLst>
+              <a:ext uri="{FF2B5EF4-FFF2-40B4-BE49-F238E27FC236}">
+                <a16:creationId xmlns:a16="http://schemas.microsoft.com/office/drawing/2014/main" id="{23D9B6CF-87DD-47C7-B38D-7C5353D4DC9D}"/>
+              </a:ext>
+              <a:ext uri="{C183D7F6-B498-43B3-948B-1728B52AA6E4}">
+                <adec:decorative xmlns:adec="http://schemas.microsoft.com/office/drawing/2017/decorative" val="1"/>
+              </a:ext>
+            </a:extLst>
+          </p:cNvPr>
+          <p:cNvSpPr>
+            <a:spLocks noGrp="1" noRot="1" noChangeAspect="1" noMove="1" noResize="1" noEditPoints="1" noAdjustHandles="1" noChangeArrowheads="1" noChangeShapeType="1" noTextEdit="1"/>
+          </p:cNvSpPr>
+          <p:nvPr>
+            <p:extLst>
+              <p:ext uri="{386F3935-93C4-4BCD-93E2-E3B085C9AB24}">
+                <p16:designElem xmlns:p16="http://schemas.microsoft.com/office/powerpoint/2015/main" val="1"/>
+              </p:ext>
+            </p:extLst>
+          </p:nvPr>
+        </p:nvSpPr>
+        <p:spPr>
+          <a:xfrm>
+            <a:off x="0" y="-2"/>
+            <a:ext cx="12192000" cy="6858002"/>
+          </a:xfrm>
+          <a:prstGeom prst="rect">
+            <a:avLst/>
+          </a:prstGeom>
+          <a:solidFill>
+            <a:schemeClr val="accent2"/>
+          </a:solidFill>
+          <a:ln>
+            <a:noFill/>
+          </a:ln>
+        </p:spPr>
+        <p:style>
+          <a:lnRef idx="2">
+            <a:schemeClr val="accent1">
+              <a:shade val="50000"/>
+            </a:schemeClr>
+          </a:lnRef>
+          <a:fillRef idx="1">
+            <a:schemeClr val="accent1"/>
+          </a:fillRef>
+          <a:effectRef idx="0">
+            <a:schemeClr val="accent1"/>
+          </a:effectRef>
+          <a:fontRef idx="minor">
+            <a:schemeClr val="lt1"/>
+          </a:fontRef>
+        </p:style>
+        <p:txBody>
+          <a:bodyPr rtlCol="0" anchor="ctr"/>
+          <a:lstStyle/>
+          <a:p>
+            <a:pPr algn="ctr"/>
+            <a:endParaRPr lang="en-US"/>
+          </a:p>
+        </p:txBody>
+      </p:sp>
+      <p:sp>
+        <p:nvSpPr>
           <p:cNvPr id="2" name="Title 1">
             <a:extLst>
               <a:ext uri="{FF2B5EF4-FFF2-40B4-BE49-F238E27FC236}">
@@ -4447,9 +4523,16 @@
             <p:ph type="title"/>
           </p:nvPr>
         </p:nvSpPr>
-        <p:spPr/>
-        <p:txBody>
-          <a:bodyPr/>
+        <p:spPr>
+          <a:xfrm>
+            <a:off x="804673" y="2133600"/>
+            <a:ext cx="3044952" cy="1898904"/>
+          </a:xfrm>
+        </p:spPr>
+        <p:txBody>
+          <a:bodyPr vert="horz" lIns="274320" tIns="182880" rIns="274320" bIns="182880" rtlCol="0" anchor="ctr" anchorCtr="1">
+            <a:normAutofit/>
+          </a:bodyPr>
           <a:lstStyle/>
           <a:p>
             <a:r>
@@ -4475,15 +4558,241 @@
             <p:ph idx="1"/>
           </p:nvPr>
         </p:nvSpPr>
-        <p:spPr/>
-        <p:txBody>
-          <a:bodyPr/>
-          <a:lstStyle/>
-          <a:p>
-            <a:r>
-              <a:rPr lang="en-US" dirty="0"/>
+        <p:spPr>
+          <a:xfrm>
+            <a:off x="993088" y="4352543"/>
+            <a:ext cx="2668122" cy="1387983"/>
+          </a:xfrm>
+        </p:spPr>
+        <p:txBody>
+          <a:bodyPr vert="horz" lIns="91440" tIns="45720" rIns="91440" bIns="45720" rtlCol="0">
+            <a:normAutofit/>
+          </a:bodyPr>
+          <a:lstStyle/>
+          <a:p>
+            <a:pPr marL="0" indent="0" algn="ctr">
+              <a:buNone/>
+            </a:pPr>
+            <a:r>
+              <a:rPr lang="en-US" kern="1200">
+                <a:solidFill>
+                  <a:srgbClr val="FFFFFF"/>
+                </a:solidFill>
+                <a:latin typeface="+mn-lt"/>
+                <a:ea typeface="+mn-ea"/>
+                <a:cs typeface="+mn-cs"/>
+              </a:rPr>
               <a:t>Concave part of the elbow determines the clusters needed</a:t>
             </a:r>
+          </a:p>
+        </p:txBody>
+      </p:sp>
+      <p:sp>
+        <p:nvSpPr>
+          <p:cNvPr id="12" name="Rectangle 11">
+            <a:extLst>
+              <a:ext uri="{FF2B5EF4-FFF2-40B4-BE49-F238E27FC236}">
+                <a16:creationId xmlns:a16="http://schemas.microsoft.com/office/drawing/2014/main" id="{EFE2328B-DA12-4B90-BD82-3CCF13AF6C83}"/>
+              </a:ext>
+              <a:ext uri="{C183D7F6-B498-43B3-948B-1728B52AA6E4}">
+                <adec:decorative xmlns:adec="http://schemas.microsoft.com/office/drawing/2017/decorative" val="1"/>
+              </a:ext>
+            </a:extLst>
+          </p:cNvPr>
+          <p:cNvSpPr>
+            <a:spLocks noGrp="1" noRot="1" noChangeAspect="1" noMove="1" noResize="1" noEditPoints="1" noAdjustHandles="1" noChangeArrowheads="1" noChangeShapeType="1" noTextEdit="1"/>
+          </p:cNvSpPr>
+          <p:nvPr>
+            <p:extLst>
+              <p:ext uri="{386F3935-93C4-4BCD-93E2-E3B085C9AB24}">
+                <p16:designElem xmlns:p16="http://schemas.microsoft.com/office/powerpoint/2015/main" val="1"/>
+              </p:ext>
+            </p:extLst>
+          </p:nvPr>
+        </p:nvSpPr>
+        <p:spPr>
+          <a:xfrm>
+            <a:off x="4654296" y="640080"/>
+            <a:ext cx="6897625" cy="5263134"/>
+          </a:xfrm>
+          <a:prstGeom prst="rect">
+            <a:avLst/>
+          </a:prstGeom>
+          <a:noFill/>
+          <a:ln w="31750" cap="sq">
+            <a:solidFill>
+              <a:srgbClr val="FFFFFF"/>
+            </a:solidFill>
+            <a:miter lim="800000"/>
+          </a:ln>
+        </p:spPr>
+        <p:style>
+          <a:lnRef idx="2">
+            <a:schemeClr val="accent1">
+              <a:shade val="50000"/>
+            </a:schemeClr>
+          </a:lnRef>
+          <a:fillRef idx="1">
+            <a:schemeClr val="accent1"/>
+          </a:fillRef>
+          <a:effectRef idx="0">
+            <a:schemeClr val="accent1"/>
+          </a:effectRef>
+          <a:fontRef idx="minor">
+            <a:schemeClr val="lt1"/>
+          </a:fontRef>
+        </p:style>
+        <p:txBody>
+          <a:bodyPr rtlCol="0" anchor="ctr"/>
+          <a:lstStyle/>
+          <a:p>
+            <a:pPr algn="ctr"/>
+            <a:endParaRPr lang="en-US" dirty="0"/>
+          </a:p>
+        </p:txBody>
+      </p:sp>
+      <p:sp>
+        <p:nvSpPr>
+          <p:cNvPr id="14" name="Rectangle 13">
+            <a:extLst>
+              <a:ext uri="{FF2B5EF4-FFF2-40B4-BE49-F238E27FC236}">
+                <a16:creationId xmlns:a16="http://schemas.microsoft.com/office/drawing/2014/main" id="{F77FF0B6-332F-4842-A5F8-EA360BD5FF84}"/>
+              </a:ext>
+              <a:ext uri="{C183D7F6-B498-43B3-948B-1728B52AA6E4}">
+                <adec:decorative xmlns:adec="http://schemas.microsoft.com/office/drawing/2017/decorative" val="1"/>
+              </a:ext>
+            </a:extLst>
+          </p:cNvPr>
+          <p:cNvSpPr>
+            <a:spLocks noGrp="1" noRot="1" noChangeAspect="1" noMove="1" noResize="1" noEditPoints="1" noAdjustHandles="1" noChangeArrowheads="1" noChangeShapeType="1" noTextEdit="1"/>
+          </p:cNvSpPr>
+          <p:nvPr>
+            <p:extLst>
+              <p:ext uri="{386F3935-93C4-4BCD-93E2-E3B085C9AB24}">
+                <p16:designElem xmlns:p16="http://schemas.microsoft.com/office/powerpoint/2015/main" val="1"/>
+              </p:ext>
+            </p:extLst>
+          </p:nvPr>
+        </p:nvSpPr>
+        <p:spPr>
+          <a:xfrm>
+            <a:off x="4820412" y="802767"/>
+            <a:ext cx="6565392" cy="4937760"/>
+          </a:xfrm>
+          <a:prstGeom prst="rect">
+            <a:avLst/>
+          </a:prstGeom>
+          <a:solidFill>
+            <a:schemeClr val="bg1"/>
+          </a:solidFill>
+          <a:ln>
+            <a:noFill/>
+          </a:ln>
+        </p:spPr>
+        <p:style>
+          <a:lnRef idx="2">
+            <a:schemeClr val="accent1">
+              <a:shade val="50000"/>
+            </a:schemeClr>
+          </a:lnRef>
+          <a:fillRef idx="1">
+            <a:schemeClr val="accent1"/>
+          </a:fillRef>
+          <a:effectRef idx="0">
+            <a:schemeClr val="accent1"/>
+          </a:effectRef>
+          <a:fontRef idx="minor">
+            <a:schemeClr val="lt1"/>
+          </a:fontRef>
+        </p:style>
+        <p:txBody>
+          <a:bodyPr rtlCol="0" anchor="ctr"/>
+          <a:lstStyle/>
+          <a:p>
+            <a:pPr algn="ctr"/>
+            <a:endParaRPr lang="en-US"/>
+          </a:p>
+        </p:txBody>
+      </p:sp>
+      <p:pic>
+        <p:nvPicPr>
+          <p:cNvPr id="5" name="Picture 4" descr="Chart, line chart&#10;&#10;Description automatically generated">
+            <a:extLst>
+              <a:ext uri="{FF2B5EF4-FFF2-40B4-BE49-F238E27FC236}">
+                <a16:creationId xmlns:a16="http://schemas.microsoft.com/office/drawing/2014/main" id="{245B6F67-AE75-45B3-B804-474B366D4766}"/>
+              </a:ext>
+            </a:extLst>
+          </p:cNvPr>
+          <p:cNvPicPr>
+            <a:picLocks noChangeAspect="1"/>
+          </p:cNvPicPr>
+          <p:nvPr/>
+        </p:nvPicPr>
+        <p:blipFill>
+          <a:blip r:embed="rId2"/>
+          <a:stretch>
+            <a:fillRect/>
+          </a:stretch>
+        </p:blipFill>
+        <p:spPr>
+          <a:xfrm>
+            <a:off x="4826941" y="1753285"/>
+            <a:ext cx="6544959" cy="3354291"/>
+          </a:xfrm>
+          <a:prstGeom prst="rect">
+            <a:avLst/>
+          </a:prstGeom>
+        </p:spPr>
+      </p:pic>
+      <p:sp>
+        <p:nvSpPr>
+          <p:cNvPr id="6" name="Oval 5">
+            <a:extLst>
+              <a:ext uri="{FF2B5EF4-FFF2-40B4-BE49-F238E27FC236}">
+                <a16:creationId xmlns:a16="http://schemas.microsoft.com/office/drawing/2014/main" id="{DD970ABF-F750-4D2A-B499-1D154A3C8EEE}"/>
+              </a:ext>
+            </a:extLst>
+          </p:cNvPr>
+          <p:cNvSpPr/>
+          <p:nvPr/>
+        </p:nvSpPr>
+        <p:spPr>
+          <a:xfrm>
+            <a:off x="5897335" y="3343274"/>
+            <a:ext cx="330654" cy="304383"/>
+          </a:xfrm>
+          <a:prstGeom prst="ellipse">
+            <a:avLst/>
+          </a:prstGeom>
+          <a:noFill/>
+          <a:ln>
+            <a:solidFill>
+              <a:srgbClr val="FF0000"/>
+            </a:solidFill>
+          </a:ln>
+        </p:spPr>
+        <p:style>
+          <a:lnRef idx="2">
+            <a:schemeClr val="accent1">
+              <a:shade val="50000"/>
+            </a:schemeClr>
+          </a:lnRef>
+          <a:fillRef idx="1">
+            <a:schemeClr val="accent1"/>
+          </a:fillRef>
+          <a:effectRef idx="0">
+            <a:schemeClr val="accent1"/>
+          </a:effectRef>
+          <a:fontRef idx="minor">
+            <a:schemeClr val="lt1"/>
+          </a:fontRef>
+        </p:style>
+        <p:txBody>
+          <a:bodyPr rtlCol="0" anchor="ctr"/>
+          <a:lstStyle/>
+          <a:p>
+            <a:pPr algn="ctr"/>
+            <a:endParaRPr lang="en-US"/>
           </a:p>
         </p:txBody>
       </p:sp>
@@ -4503,6 +4812,14 @@
 <file path=ppt/slides/slide8.xml><?xml version="1.0" encoding="utf-8"?>
 <p:sld xmlns:a="http://schemas.openxmlformats.org/drawingml/2006/main" xmlns:r="http://schemas.openxmlformats.org/officeDocument/2006/relationships" xmlns:p="http://schemas.openxmlformats.org/presentationml/2006/main">
   <p:cSld>
+    <p:bg>
+      <p:bgPr>
+        <a:solidFill>
+          <a:schemeClr val="bg1"/>
+        </a:solidFill>
+        <a:effectLst/>
+      </p:bgPr>
+    </p:bg>
     <p:spTree>
       <p:nvGrpSpPr>
         <p:cNvPr id="1" name=""/>
@@ -4533,15 +4850,85 @@
             <p:ph type="title"/>
           </p:nvPr>
         </p:nvSpPr>
-        <p:spPr/>
-        <p:txBody>
-          <a:bodyPr/>
-          <a:lstStyle/>
-          <a:p>
-            <a:r>
-              <a:rPr lang="en-US" dirty="0"/>
+        <p:spPr>
+          <a:xfrm>
+            <a:off x="640079" y="2057847"/>
+            <a:ext cx="2968689" cy="949452"/>
+          </a:xfrm>
+        </p:spPr>
+        <p:txBody>
+          <a:bodyPr vert="horz" lIns="274320" tIns="182880" rIns="274320" bIns="182880" rtlCol="0" anchor="ctr" anchorCtr="1">
+            <a:normAutofit fontScale="90000"/>
+          </a:bodyPr>
+          <a:lstStyle/>
+          <a:p>
+            <a:r>
+              <a:rPr lang="en-US" sz="2400" dirty="0"/>
               <a:t>Parallel Coordinates</a:t>
             </a:r>
+          </a:p>
+        </p:txBody>
+      </p:sp>
+      <p:sp>
+        <p:nvSpPr>
+          <p:cNvPr id="19" name="Rectangle 18">
+            <a:extLst>
+              <a:ext uri="{FF2B5EF4-FFF2-40B4-BE49-F238E27FC236}">
+                <a16:creationId xmlns:a16="http://schemas.microsoft.com/office/drawing/2014/main" id="{23D9B6CF-87DD-47C7-B38D-7C5353D4DC9D}"/>
+              </a:ext>
+              <a:ext uri="{C183D7F6-B498-43B3-948B-1728B52AA6E4}">
+                <adec:decorative xmlns:adec="http://schemas.microsoft.com/office/drawing/2017/decorative" val="1"/>
+              </a:ext>
+            </a:extLst>
+          </p:cNvPr>
+          <p:cNvSpPr>
+            <a:spLocks noGrp="1" noRot="1" noChangeAspect="1" noMove="1" noResize="1" noEditPoints="1" noAdjustHandles="1" noChangeArrowheads="1" noChangeShapeType="1" noTextEdit="1"/>
+          </p:cNvSpPr>
+          <p:nvPr>
+            <p:extLst>
+              <p:ext uri="{386F3935-93C4-4BCD-93E2-E3B085C9AB24}">
+                <p16:designElem xmlns:p16="http://schemas.microsoft.com/office/powerpoint/2015/main" val="1"/>
+              </p:ext>
+            </p:extLst>
+          </p:nvPr>
+        </p:nvSpPr>
+        <p:spPr>
+          <a:xfrm>
+            <a:off x="0" y="-2"/>
+            <a:ext cx="12192000" cy="6858002"/>
+          </a:xfrm>
+          <a:prstGeom prst="rect">
+            <a:avLst/>
+          </a:prstGeom>
+          <a:solidFill>
+            <a:schemeClr val="accent2"/>
+          </a:solidFill>
+          <a:ln>
+            <a:noFill/>
+          </a:ln>
+        </p:spPr>
+        <p:style>
+          <a:lnRef idx="2">
+            <a:schemeClr val="accent1">
+              <a:shade val="50000"/>
+            </a:schemeClr>
+          </a:lnRef>
+          <a:fillRef idx="1">
+            <a:schemeClr val="accent1"/>
+          </a:fillRef>
+          <a:effectRef idx="0">
+            <a:schemeClr val="accent1"/>
+          </a:effectRef>
+          <a:fontRef idx="minor">
+            <a:schemeClr val="lt1"/>
+          </a:fontRef>
+        </p:style>
+        <p:txBody>
+          <a:bodyPr rtlCol="0" anchor="ctr"/>
+          <a:lstStyle/>
+          <a:p>
+            <a:pPr algn="ctr"/>
+            <a:endParaRPr lang="en-US"/>
           </a:p>
         </p:txBody>
       </p:sp>
@@ -4561,18 +4948,192 @@
             <p:ph idx="1"/>
           </p:nvPr>
         </p:nvSpPr>
-        <p:spPr/>
-        <p:txBody>
-          <a:bodyPr/>
-          <a:lstStyle/>
-          <a:p>
-            <a:r>
-              <a:rPr lang="en-US" dirty="0"/>
+        <p:spPr>
+          <a:xfrm>
+            <a:off x="197560" y="2160613"/>
+            <a:ext cx="2668122" cy="1387983"/>
+          </a:xfrm>
+        </p:spPr>
+        <p:txBody>
+          <a:bodyPr vert="horz" lIns="91440" tIns="45720" rIns="91440" bIns="45720" rtlCol="0">
+            <a:normAutofit/>
+          </a:bodyPr>
+          <a:lstStyle/>
+          <a:p>
+            <a:pPr marL="0" indent="0" algn="ctr">
+              <a:buNone/>
+            </a:pPr>
+            <a:r>
+              <a:rPr lang="en-US" kern="1200" dirty="0">
+                <a:solidFill>
+                  <a:srgbClr val="FFFFFF"/>
+                </a:solidFill>
+                <a:latin typeface="+mn-lt"/>
+                <a:ea typeface="+mn-ea"/>
+                <a:cs typeface="+mn-cs"/>
+              </a:rPr>
               <a:t>Maps the centroid of each cluster</a:t>
             </a:r>
           </a:p>
         </p:txBody>
       </p:sp>
+      <p:sp>
+        <p:nvSpPr>
+          <p:cNvPr id="21" name="Rectangle 20">
+            <a:extLst>
+              <a:ext uri="{FF2B5EF4-FFF2-40B4-BE49-F238E27FC236}">
+                <a16:creationId xmlns:a16="http://schemas.microsoft.com/office/drawing/2014/main" id="{EFE2328B-DA12-4B90-BD82-3CCF13AF6C83}"/>
+              </a:ext>
+              <a:ext uri="{C183D7F6-B498-43B3-948B-1728B52AA6E4}">
+                <adec:decorative xmlns:adec="http://schemas.microsoft.com/office/drawing/2017/decorative" val="1"/>
+              </a:ext>
+            </a:extLst>
+          </p:cNvPr>
+          <p:cNvSpPr>
+            <a:spLocks noGrp="1" noRot="1" noChangeAspect="1" noMove="1" noResize="1" noEditPoints="1" noAdjustHandles="1" noChangeArrowheads="1" noChangeShapeType="1" noTextEdit="1"/>
+          </p:cNvSpPr>
+          <p:nvPr>
+            <p:extLst>
+              <p:ext uri="{386F3935-93C4-4BCD-93E2-E3B085C9AB24}">
+                <p16:designElem xmlns:p16="http://schemas.microsoft.com/office/powerpoint/2015/main" val="1"/>
+              </p:ext>
+            </p:extLst>
+          </p:nvPr>
+        </p:nvSpPr>
+        <p:spPr>
+          <a:xfrm>
+            <a:off x="4654296" y="640080"/>
+            <a:ext cx="6897625" cy="5263134"/>
+          </a:xfrm>
+          <a:prstGeom prst="rect">
+            <a:avLst/>
+          </a:prstGeom>
+          <a:noFill/>
+          <a:ln w="31750" cap="sq">
+            <a:solidFill>
+              <a:srgbClr val="FFFFFF"/>
+            </a:solidFill>
+            <a:miter lim="800000"/>
+          </a:ln>
+        </p:spPr>
+        <p:style>
+          <a:lnRef idx="2">
+            <a:schemeClr val="accent1">
+              <a:shade val="50000"/>
+            </a:schemeClr>
+          </a:lnRef>
+          <a:fillRef idx="1">
+            <a:schemeClr val="accent1"/>
+          </a:fillRef>
+          <a:effectRef idx="0">
+            <a:schemeClr val="accent1"/>
+          </a:effectRef>
+          <a:fontRef idx="minor">
+            <a:schemeClr val="lt1"/>
+          </a:fontRef>
+        </p:style>
+        <p:txBody>
+          <a:bodyPr rtlCol="0" anchor="ctr"/>
+          <a:lstStyle/>
+          <a:p>
+            <a:pPr algn="ctr"/>
+            <a:endParaRPr lang="en-US" dirty="0"/>
+          </a:p>
+        </p:txBody>
+      </p:sp>
+      <p:sp>
+        <p:nvSpPr>
+          <p:cNvPr id="26" name="Rectangle 22">
+            <a:extLst>
+              <a:ext uri="{FF2B5EF4-FFF2-40B4-BE49-F238E27FC236}">
+                <a16:creationId xmlns:a16="http://schemas.microsoft.com/office/drawing/2014/main" id="{F77FF0B6-332F-4842-A5F8-EA360BD5FF84}"/>
+              </a:ext>
+              <a:ext uri="{C183D7F6-B498-43B3-948B-1728B52AA6E4}">
+                <adec:decorative xmlns:adec="http://schemas.microsoft.com/office/drawing/2017/decorative" val="1"/>
+              </a:ext>
+            </a:extLst>
+          </p:cNvPr>
+          <p:cNvSpPr>
+            <a:spLocks noGrp="1" noRot="1" noChangeAspect="1" noMove="1" noResize="1" noEditPoints="1" noAdjustHandles="1" noChangeArrowheads="1" noChangeShapeType="1" noTextEdit="1"/>
+          </p:cNvSpPr>
+          <p:nvPr>
+            <p:extLst>
+              <p:ext uri="{386F3935-93C4-4BCD-93E2-E3B085C9AB24}">
+                <p16:designElem xmlns:p16="http://schemas.microsoft.com/office/powerpoint/2015/main" val="1"/>
+              </p:ext>
+            </p:extLst>
+          </p:nvPr>
+        </p:nvSpPr>
+        <p:spPr>
+          <a:xfrm>
+            <a:off x="4820412" y="802767"/>
+            <a:ext cx="6565392" cy="4937760"/>
+          </a:xfrm>
+          <a:prstGeom prst="rect">
+            <a:avLst/>
+          </a:prstGeom>
+          <a:solidFill>
+            <a:schemeClr val="bg1"/>
+          </a:solidFill>
+          <a:ln>
+            <a:noFill/>
+          </a:ln>
+        </p:spPr>
+        <p:style>
+          <a:lnRef idx="2">
+            <a:schemeClr val="accent1">
+              <a:shade val="50000"/>
+            </a:schemeClr>
+          </a:lnRef>
+          <a:fillRef idx="1">
+            <a:schemeClr val="accent1"/>
+          </a:fillRef>
+          <a:effectRef idx="0">
+            <a:schemeClr val="accent1"/>
+          </a:effectRef>
+          <a:fontRef idx="minor">
+            <a:schemeClr val="lt1"/>
+          </a:fontRef>
+        </p:style>
+        <p:txBody>
+          <a:bodyPr rtlCol="0" anchor="ctr"/>
+          <a:lstStyle/>
+          <a:p>
+            <a:pPr algn="ctr"/>
+            <a:endParaRPr lang="en-US"/>
+          </a:p>
+        </p:txBody>
+      </p:sp>
+      <p:pic>
+        <p:nvPicPr>
+          <p:cNvPr id="5" name="Picture 4" descr="Chart&#10;&#10;Description automatically generated">
+            <a:extLst>
+              <a:ext uri="{FF2B5EF4-FFF2-40B4-BE49-F238E27FC236}">
+                <a16:creationId xmlns:a16="http://schemas.microsoft.com/office/drawing/2014/main" id="{66EA1652-E9C9-44C3-987E-4311C22DEA60}"/>
+              </a:ext>
+            </a:extLst>
+          </p:cNvPr>
+          <p:cNvPicPr>
+            <a:picLocks noChangeAspect="1"/>
+          </p:cNvPicPr>
+          <p:nvPr/>
+        </p:nvPicPr>
+        <p:blipFill>
+          <a:blip r:embed="rId2"/>
+          <a:stretch>
+            <a:fillRect/>
+          </a:stretch>
+        </p:blipFill>
+        <p:spPr>
+          <a:xfrm>
+            <a:off x="197560" y="184378"/>
+            <a:ext cx="11786294" cy="6570856"/>
+          </a:xfrm>
+          <a:prstGeom prst="rect">
+            <a:avLst/>
+          </a:prstGeom>
+        </p:spPr>
+      </p:pic>
     </p:spTree>
     <p:extLst>
       <p:ext uri="{BB962C8B-B14F-4D97-AF65-F5344CB8AC3E}">

--- a/Final Project.pptx
+++ b/Final Project.pptx
@@ -369,7 +369,7 @@
           <a:p>
             <a:fld id="{0406F20A-6DCB-4E49-8B9A-BCACB2DB4D88}" type="datetimeFigureOut">
               <a:rPr lang="en-US" smtClean="0"/>
-              <a:t>3/17/21</a:t>
+              <a:t>3/17/2021</a:t>
             </a:fld>
             <a:endParaRPr lang="en-US"/>
           </a:p>
@@ -903,7 +903,7 @@
           <a:p>
             <a:fld id="{1160EA64-D806-43AC-9DF2-F8C432F32B4C}" type="datetimeFigureOut">
               <a:rPr lang="en-US" dirty="0"/>
-              <a:t>3/17/21</a:t>
+              <a:t>3/17/2021</a:t>
             </a:fld>
             <a:endParaRPr lang="en-US" dirty="0"/>
           </a:p>
@@ -1069,7 +1069,7 @@
           <a:p>
             <a:fld id="{E9F9C37B-1D36-470B-8223-D6C91242EC14}" type="datetimeFigureOut">
               <a:rPr lang="en-US" dirty="0"/>
-              <a:t>3/17/21</a:t>
+              <a:t>3/17/2021</a:t>
             </a:fld>
             <a:endParaRPr lang="en-US" dirty="0"/>
           </a:p>
@@ -1244,7 +1244,7 @@
           <a:p>
             <a:fld id="{67C6F52A-A82B-47A2-A83A-8C4C91F2D59F}" type="datetimeFigureOut">
               <a:rPr lang="en-US" dirty="0"/>
-              <a:t>3/17/21</a:t>
+              <a:t>3/17/2021</a:t>
             </a:fld>
             <a:endParaRPr lang="en-US" dirty="0"/>
           </a:p>
@@ -1409,7 +1409,7 @@
           <a:p>
             <a:fld id="{F070A7B3-6521-4DCA-87E5-044747A908C1}" type="datetimeFigureOut">
               <a:rPr lang="en-US" dirty="0"/>
-              <a:t>3/17/21</a:t>
+              <a:t>3/17/2021</a:t>
             </a:fld>
             <a:endParaRPr lang="en-US" dirty="0"/>
           </a:p>
@@ -1673,7 +1673,7 @@
           <a:p>
             <a:fld id="{1160EA64-D806-43AC-9DF2-F8C432F32B4C}" type="datetimeFigureOut">
               <a:rPr lang="en-US" dirty="0"/>
-              <a:t>3/17/21</a:t>
+              <a:t>3/17/2021</a:t>
             </a:fld>
             <a:endParaRPr lang="en-US" dirty="0"/>
           </a:p>
@@ -1901,7 +1901,7 @@
           <a:p>
             <a:fld id="{AB134690-1557-4C89-A502-4959FE7FAD70}" type="datetimeFigureOut">
               <a:rPr lang="en-US" dirty="0"/>
-              <a:t>3/17/21</a:t>
+              <a:t>3/17/2021</a:t>
             </a:fld>
             <a:endParaRPr lang="en-US" dirty="0"/>
           </a:p>
@@ -2255,7 +2255,7 @@
           <a:p>
             <a:fld id="{4F7D4976-E339-4826-83B7-FBD03F55ECF8}" type="datetimeFigureOut">
               <a:rPr lang="en-US" dirty="0"/>
-              <a:t>3/17/21</a:t>
+              <a:t>3/17/2021</a:t>
             </a:fld>
             <a:endParaRPr lang="en-US" dirty="0"/>
           </a:p>
@@ -2391,7 +2391,7 @@
           <a:p>
             <a:fld id="{E1037C31-9E7A-4F99-8774-A0E530DE1A42}" type="datetimeFigureOut">
               <a:rPr lang="en-US" dirty="0"/>
-              <a:t>3/17/21</a:t>
+              <a:t>3/17/2021</a:t>
             </a:fld>
             <a:endParaRPr lang="en-US" dirty="0"/>
           </a:p>
@@ -2481,7 +2481,7 @@
           <a:p>
             <a:fld id="{C278504F-A551-4DE0-9316-4DCD1D8CC752}" type="datetimeFigureOut">
               <a:rPr lang="en-US" dirty="0"/>
-              <a:t>3/17/21</a:t>
+              <a:t>3/17/2021</a:t>
             </a:fld>
             <a:endParaRPr lang="en-US" dirty="0"/>
           </a:p>
@@ -2833,7 +2833,7 @@
           <a:p>
             <a:fld id="{D1BE4249-C0D0-4B06-8692-E8BB871AF643}" type="datetimeFigureOut">
               <a:rPr lang="en-US" dirty="0"/>
-              <a:t>3/17/21</a:t>
+              <a:t>3/17/2021</a:t>
             </a:fld>
             <a:endParaRPr lang="en-US" dirty="0"/>
           </a:p>
@@ -3185,7 +3185,7 @@
           <a:p>
             <a:fld id="{042B0DB6-F5C7-45FB-8CF3-31B45F9C2DAC}" type="datetimeFigureOut">
               <a:rPr lang="en-US" dirty="0"/>
-              <a:t>3/17/21</a:t>
+              <a:t>3/17/2021</a:t>
             </a:fld>
             <a:endParaRPr lang="en-US" dirty="0"/>
           </a:p>
@@ -3422,7 +3422,7 @@
           <a:p>
             <a:fld id="{1160EA64-D806-43AC-9DF2-F8C432F32B4C}" type="datetimeFigureOut">
               <a:rPr lang="en-US" dirty="0"/>
-              <a:t>3/17/21</a:t>
+              <a:t>3/17/2021</a:t>
             </a:fld>
             <a:endParaRPr lang="en-US" dirty="0"/>
           </a:p>
@@ -4878,6 +4878,14 @@
 <file path=ppt/slides/slide7.xml><?xml version="1.0" encoding="utf-8"?>
 <p:sld xmlns:a="http://schemas.openxmlformats.org/drawingml/2006/main" xmlns:r="http://schemas.openxmlformats.org/officeDocument/2006/relationships" xmlns:p="http://schemas.openxmlformats.org/presentationml/2006/main">
   <p:cSld>
+    <p:bg>
+      <p:bgPr>
+        <a:solidFill>
+          <a:schemeClr val="bg1"/>
+        </a:solidFill>
+        <a:effectLst/>
+      </p:bgPr>
+    </p:bg>
     <p:spTree>
       <p:nvGrpSpPr>
         <p:cNvPr id="1" name=""/>
@@ -4894,6 +4902,69 @@
       </p:grpSpPr>
       <p:sp>
         <p:nvSpPr>
+          <p:cNvPr id="15" name="Rectangle 9">
+            <a:extLst>
+              <a:ext uri="{FF2B5EF4-FFF2-40B4-BE49-F238E27FC236}">
+                <a16:creationId xmlns:a16="http://schemas.microsoft.com/office/drawing/2014/main" id="{23D9B6CF-87DD-47C7-B38D-7C5353D4DC9D}"/>
+              </a:ext>
+              <a:ext uri="{C183D7F6-B498-43B3-948B-1728B52AA6E4}">
+                <adec:decorative xmlns:adec="http://schemas.microsoft.com/office/drawing/2017/decorative" val="1"/>
+              </a:ext>
+            </a:extLst>
+          </p:cNvPr>
+          <p:cNvSpPr>
+            <a:spLocks noGrp="1" noRot="1" noChangeAspect="1" noMove="1" noResize="1" noEditPoints="1" noAdjustHandles="1" noChangeArrowheads="1" noChangeShapeType="1" noTextEdit="1"/>
+          </p:cNvSpPr>
+          <p:nvPr>
+            <p:extLst>
+              <p:ext uri="{386F3935-93C4-4BCD-93E2-E3B085C9AB24}">
+                <p16:designElem xmlns:p16="http://schemas.microsoft.com/office/powerpoint/2015/main" val="1"/>
+              </p:ext>
+            </p:extLst>
+          </p:nvPr>
+        </p:nvSpPr>
+        <p:spPr>
+          <a:xfrm>
+            <a:off x="0" y="-2"/>
+            <a:ext cx="12192000" cy="6858002"/>
+          </a:xfrm>
+          <a:prstGeom prst="rect">
+            <a:avLst/>
+          </a:prstGeom>
+          <a:solidFill>
+            <a:schemeClr val="accent2"/>
+          </a:solidFill>
+          <a:ln>
+            <a:noFill/>
+          </a:ln>
+        </p:spPr>
+        <p:style>
+          <a:lnRef idx="2">
+            <a:schemeClr val="accent1">
+              <a:shade val="50000"/>
+            </a:schemeClr>
+          </a:lnRef>
+          <a:fillRef idx="1">
+            <a:schemeClr val="accent1"/>
+          </a:fillRef>
+          <a:effectRef idx="0">
+            <a:schemeClr val="accent1"/>
+          </a:effectRef>
+          <a:fontRef idx="minor">
+            <a:schemeClr val="lt1"/>
+          </a:fontRef>
+        </p:style>
+        <p:txBody>
+          <a:bodyPr rtlCol="0" anchor="ctr"/>
+          <a:lstStyle/>
+          <a:p>
+            <a:pPr algn="ctr"/>
+            <a:endParaRPr lang="en-US"/>
+          </a:p>
+        </p:txBody>
+      </p:sp>
+      <p:sp>
+        <p:nvSpPr>
           <p:cNvPr id="2" name="Title 1">
             <a:extLst>
               <a:ext uri="{FF2B5EF4-FFF2-40B4-BE49-F238E27FC236}">
@@ -4908,9 +4979,16 @@
             <p:ph type="title"/>
           </p:nvPr>
         </p:nvSpPr>
-        <p:spPr/>
-        <p:txBody>
-          <a:bodyPr/>
+        <p:spPr>
+          <a:xfrm>
+            <a:off x="804673" y="2133600"/>
+            <a:ext cx="3044952" cy="1898904"/>
+          </a:xfrm>
+        </p:spPr>
+        <p:txBody>
+          <a:bodyPr vert="horz" lIns="274320" tIns="182880" rIns="274320" bIns="182880" rtlCol="0" anchor="ctr" anchorCtr="1">
+            <a:normAutofit/>
+          </a:bodyPr>
           <a:lstStyle/>
           <a:p>
             <a:r>
@@ -4936,15 +5014,243 @@
             <p:ph idx="1"/>
           </p:nvPr>
         </p:nvSpPr>
-        <p:spPr/>
-        <p:txBody>
-          <a:bodyPr/>
-          <a:lstStyle/>
-          <a:p>
-            <a:r>
-              <a:rPr lang="en-US" dirty="0"/>
+        <p:spPr>
+          <a:xfrm>
+            <a:off x="993088" y="4352543"/>
+            <a:ext cx="2668122" cy="1387983"/>
+          </a:xfrm>
+        </p:spPr>
+        <p:txBody>
+          <a:bodyPr vert="horz" lIns="91440" tIns="45720" rIns="91440" bIns="45720" rtlCol="0">
+            <a:normAutofit/>
+          </a:bodyPr>
+          <a:lstStyle/>
+          <a:p>
+            <a:pPr marL="0" indent="0" algn="ctr">
+              <a:buNone/>
+            </a:pPr>
+            <a:r>
+              <a:rPr lang="en-US" kern="1200" dirty="0">
+                <a:solidFill>
+                  <a:srgbClr val="FFFFFF"/>
+                </a:solidFill>
+                <a:latin typeface="+mn-lt"/>
+                <a:ea typeface="+mn-ea"/>
+                <a:cs typeface="+mn-cs"/>
+              </a:rPr>
               <a:t>Concave part of the elbow determines the clusters needed</a:t>
             </a:r>
+          </a:p>
+        </p:txBody>
+      </p:sp>
+      <p:sp>
+        <p:nvSpPr>
+          <p:cNvPr id="16" name="Rectangle 11">
+            <a:extLst>
+              <a:ext uri="{FF2B5EF4-FFF2-40B4-BE49-F238E27FC236}">
+                <a16:creationId xmlns:a16="http://schemas.microsoft.com/office/drawing/2014/main" id="{EFE2328B-DA12-4B90-BD82-3CCF13AF6C83}"/>
+              </a:ext>
+              <a:ext uri="{C183D7F6-B498-43B3-948B-1728B52AA6E4}">
+                <adec:decorative xmlns:adec="http://schemas.microsoft.com/office/drawing/2017/decorative" val="1"/>
+              </a:ext>
+            </a:extLst>
+          </p:cNvPr>
+          <p:cNvSpPr>
+            <a:spLocks noGrp="1" noRot="1" noChangeAspect="1" noMove="1" noResize="1" noEditPoints="1" noAdjustHandles="1" noChangeArrowheads="1" noChangeShapeType="1" noTextEdit="1"/>
+          </p:cNvSpPr>
+          <p:nvPr>
+            <p:extLst>
+              <p:ext uri="{386F3935-93C4-4BCD-93E2-E3B085C9AB24}">
+                <p16:designElem xmlns:p16="http://schemas.microsoft.com/office/powerpoint/2015/main" val="1"/>
+              </p:ext>
+            </p:extLst>
+          </p:nvPr>
+        </p:nvSpPr>
+        <p:spPr>
+          <a:xfrm>
+            <a:off x="4654296" y="640080"/>
+            <a:ext cx="6897625" cy="5263134"/>
+          </a:xfrm>
+          <a:prstGeom prst="rect">
+            <a:avLst/>
+          </a:prstGeom>
+          <a:noFill/>
+          <a:ln w="31750" cap="sq">
+            <a:solidFill>
+              <a:srgbClr val="FFFFFF"/>
+            </a:solidFill>
+            <a:miter lim="800000"/>
+          </a:ln>
+        </p:spPr>
+        <p:style>
+          <a:lnRef idx="2">
+            <a:schemeClr val="accent1">
+              <a:shade val="50000"/>
+            </a:schemeClr>
+          </a:lnRef>
+          <a:fillRef idx="1">
+            <a:schemeClr val="accent1"/>
+          </a:fillRef>
+          <a:effectRef idx="0">
+            <a:schemeClr val="accent1"/>
+          </a:effectRef>
+          <a:fontRef idx="minor">
+            <a:schemeClr val="lt1"/>
+          </a:fontRef>
+        </p:style>
+        <p:txBody>
+          <a:bodyPr rtlCol="0" anchor="ctr"/>
+          <a:lstStyle/>
+          <a:p>
+            <a:pPr algn="ctr"/>
+            <a:endParaRPr lang="en-US" dirty="0"/>
+          </a:p>
+        </p:txBody>
+      </p:sp>
+      <p:sp>
+        <p:nvSpPr>
+          <p:cNvPr id="14" name="Rectangle 13">
+            <a:extLst>
+              <a:ext uri="{FF2B5EF4-FFF2-40B4-BE49-F238E27FC236}">
+                <a16:creationId xmlns:a16="http://schemas.microsoft.com/office/drawing/2014/main" id="{F77FF0B6-332F-4842-A5F8-EA360BD5FF84}"/>
+              </a:ext>
+              <a:ext uri="{C183D7F6-B498-43B3-948B-1728B52AA6E4}">
+                <adec:decorative xmlns:adec="http://schemas.microsoft.com/office/drawing/2017/decorative" val="1"/>
+              </a:ext>
+            </a:extLst>
+          </p:cNvPr>
+          <p:cNvSpPr>
+            <a:spLocks noGrp="1" noRot="1" noChangeAspect="1" noMove="1" noResize="1" noEditPoints="1" noAdjustHandles="1" noChangeArrowheads="1" noChangeShapeType="1" noTextEdit="1"/>
+          </p:cNvSpPr>
+          <p:nvPr>
+            <p:extLst>
+              <p:ext uri="{386F3935-93C4-4BCD-93E2-E3B085C9AB24}">
+                <p16:designElem xmlns:p16="http://schemas.microsoft.com/office/powerpoint/2015/main" val="1"/>
+              </p:ext>
+            </p:extLst>
+          </p:nvPr>
+        </p:nvSpPr>
+        <p:spPr>
+          <a:xfrm>
+            <a:off x="4820412" y="802767"/>
+            <a:ext cx="6565392" cy="4937760"/>
+          </a:xfrm>
+          <a:prstGeom prst="rect">
+            <a:avLst/>
+          </a:prstGeom>
+          <a:solidFill>
+            <a:schemeClr val="bg1"/>
+          </a:solidFill>
+          <a:ln>
+            <a:noFill/>
+          </a:ln>
+        </p:spPr>
+        <p:style>
+          <a:lnRef idx="2">
+            <a:schemeClr val="accent1">
+              <a:shade val="50000"/>
+            </a:schemeClr>
+          </a:lnRef>
+          <a:fillRef idx="1">
+            <a:schemeClr val="accent1"/>
+          </a:fillRef>
+          <a:effectRef idx="0">
+            <a:schemeClr val="accent1"/>
+          </a:effectRef>
+          <a:fontRef idx="minor">
+            <a:schemeClr val="lt1"/>
+          </a:fontRef>
+        </p:style>
+        <p:txBody>
+          <a:bodyPr rtlCol="0" anchor="ctr"/>
+          <a:lstStyle/>
+          <a:p>
+            <a:pPr algn="ctr"/>
+            <a:endParaRPr lang="en-US"/>
+          </a:p>
+        </p:txBody>
+      </p:sp>
+      <p:pic>
+        <p:nvPicPr>
+          <p:cNvPr id="5" name="Picture 4" descr="Chart, line chart&#10;&#10;Description automatically generated">
+            <a:extLst>
+              <a:ext uri="{FF2B5EF4-FFF2-40B4-BE49-F238E27FC236}">
+                <a16:creationId xmlns:a16="http://schemas.microsoft.com/office/drawing/2014/main" id="{C9A05B4E-3E41-47DE-844D-5C3FAA0C8D0D}"/>
+              </a:ext>
+            </a:extLst>
+          </p:cNvPr>
+          <p:cNvPicPr>
+            <a:picLocks noChangeAspect="1"/>
+          </p:cNvPicPr>
+          <p:nvPr/>
+        </p:nvPicPr>
+        <p:blipFill>
+          <a:blip r:embed="rId2"/>
+          <a:stretch>
+            <a:fillRect/>
+          </a:stretch>
+        </p:blipFill>
+        <p:spPr>
+          <a:xfrm>
+            <a:off x="4842711" y="1693200"/>
+            <a:ext cx="6543093" cy="3353334"/>
+          </a:xfrm>
+          <a:prstGeom prst="rect">
+            <a:avLst/>
+          </a:prstGeom>
+        </p:spPr>
+      </p:pic>
+      <p:sp>
+        <p:nvSpPr>
+          <p:cNvPr id="6" name="Oval 5">
+            <a:extLst>
+              <a:ext uri="{FF2B5EF4-FFF2-40B4-BE49-F238E27FC236}">
+                <a16:creationId xmlns:a16="http://schemas.microsoft.com/office/drawing/2014/main" id="{3838E1F5-B1AE-4197-BBDA-CDFC01400EC0}"/>
+              </a:ext>
+            </a:extLst>
+          </p:cNvPr>
+          <p:cNvSpPr/>
+          <p:nvPr/>
+        </p:nvSpPr>
+        <p:spPr>
+          <a:xfrm>
+            <a:off x="5850454" y="3198018"/>
+            <a:ext cx="454818" cy="461962"/>
+          </a:xfrm>
+          <a:prstGeom prst="ellipse">
+            <a:avLst/>
+          </a:prstGeom>
+          <a:noFill/>
+          <a:ln>
+            <a:solidFill>
+              <a:srgbClr val="FF0000"/>
+            </a:solidFill>
+          </a:ln>
+        </p:spPr>
+        <p:style>
+          <a:lnRef idx="2">
+            <a:schemeClr val="accent1">
+              <a:shade val="50000"/>
+            </a:schemeClr>
+          </a:lnRef>
+          <a:fillRef idx="1">
+            <a:schemeClr val="accent1"/>
+          </a:fillRef>
+          <a:effectRef idx="0">
+            <a:schemeClr val="accent1"/>
+          </a:effectRef>
+          <a:fontRef idx="minor">
+            <a:schemeClr val="lt1"/>
+          </a:fontRef>
+        </p:style>
+        <p:txBody>
+          <a:bodyPr rtlCol="0" anchor="ctr"/>
+          <a:lstStyle/>
+          <a:p>
+            <a:pPr algn="ctr"/>
+            <a:endParaRPr lang="en-US">
+              <a:noFill/>
+            </a:endParaRPr>
           </a:p>
         </p:txBody>
       </p:sp>
@@ -4980,6 +5286,63 @@
       </p:grpSpPr>
       <p:sp>
         <p:nvSpPr>
+          <p:cNvPr id="3" name="Content Placeholder 2">
+            <a:extLst>
+              <a:ext uri="{FF2B5EF4-FFF2-40B4-BE49-F238E27FC236}">
+                <a16:creationId xmlns:a16="http://schemas.microsoft.com/office/drawing/2014/main" id="{F2C59DC4-7463-443C-89B9-7B8ADFBED036}"/>
+              </a:ext>
+            </a:extLst>
+          </p:cNvPr>
+          <p:cNvSpPr>
+            <a:spLocks noGrp="1"/>
+          </p:cNvSpPr>
+          <p:nvPr>
+            <p:ph idx="1"/>
+          </p:nvPr>
+        </p:nvSpPr>
+        <p:spPr/>
+        <p:txBody>
+          <a:bodyPr/>
+          <a:lstStyle/>
+          <a:p>
+            <a:r>
+              <a:rPr lang="en-US" dirty="0"/>
+              <a:t>Maps the centroid of each cluster</a:t>
+            </a:r>
+          </a:p>
+        </p:txBody>
+      </p:sp>
+      <p:pic>
+        <p:nvPicPr>
+          <p:cNvPr id="5" name="Picture 4" descr="Chart&#10;&#10;Description automatically generated">
+            <a:extLst>
+              <a:ext uri="{FF2B5EF4-FFF2-40B4-BE49-F238E27FC236}">
+                <a16:creationId xmlns:a16="http://schemas.microsoft.com/office/drawing/2014/main" id="{D9352790-6682-4E12-8193-BC7D82649224}"/>
+              </a:ext>
+            </a:extLst>
+          </p:cNvPr>
+          <p:cNvPicPr>
+            <a:picLocks noChangeAspect="1"/>
+          </p:cNvPicPr>
+          <p:nvPr/>
+        </p:nvPicPr>
+        <p:blipFill rotWithShape="1">
+          <a:blip r:embed="rId2"/>
+          <a:srcRect t="2878"/>
+          <a:stretch/>
+        </p:blipFill>
+        <p:spPr>
+          <a:xfrm>
+            <a:off x="572044" y="783771"/>
+            <a:ext cx="11047911" cy="5987012"/>
+          </a:xfrm>
+          <a:prstGeom prst="rect">
+            <a:avLst/>
+          </a:prstGeom>
+        </p:spPr>
+      </p:pic>
+      <p:sp>
+        <p:nvSpPr>
           <p:cNvPr id="2" name="Title 1">
             <a:extLst>
               <a:ext uri="{FF2B5EF4-FFF2-40B4-BE49-F238E27FC236}">
@@ -4994,42 +5357,21 @@
             <p:ph type="title"/>
           </p:nvPr>
         </p:nvSpPr>
-        <p:spPr/>
-        <p:txBody>
-          <a:bodyPr/>
+        <p:spPr>
+          <a:xfrm>
+            <a:off x="2231136" y="180921"/>
+            <a:ext cx="7729728" cy="602850"/>
+          </a:xfrm>
+        </p:spPr>
+        <p:txBody>
+          <a:bodyPr>
+            <a:normAutofit fontScale="90000"/>
+          </a:bodyPr>
           <a:lstStyle/>
           <a:p>
             <a:r>
               <a:rPr lang="en-US" dirty="0"/>
               <a:t>Parallel Coordinates</a:t>
-            </a:r>
-          </a:p>
-        </p:txBody>
-      </p:sp>
-      <p:sp>
-        <p:nvSpPr>
-          <p:cNvPr id="3" name="Content Placeholder 2">
-            <a:extLst>
-              <a:ext uri="{FF2B5EF4-FFF2-40B4-BE49-F238E27FC236}">
-                <a16:creationId xmlns:a16="http://schemas.microsoft.com/office/drawing/2014/main" id="{F2C59DC4-7463-443C-89B9-7B8ADFBED036}"/>
-              </a:ext>
-            </a:extLst>
-          </p:cNvPr>
-          <p:cNvSpPr>
-            <a:spLocks noGrp="1"/>
-          </p:cNvSpPr>
-          <p:nvPr>
-            <p:ph idx="1"/>
-          </p:nvPr>
-        </p:nvSpPr>
-        <p:spPr/>
-        <p:txBody>
-          <a:bodyPr/>
-          <a:lstStyle/>
-          <a:p>
-            <a:r>
-              <a:rPr lang="en-US" dirty="0"/>
-              <a:t>Maps the centroid of each cluster</a:t>
             </a:r>
           </a:p>
         </p:txBody>
